--- a/Keywords/Java_Keywords_Presentation.pptx
+++ b/Keywords/Java_Keywords_Presentation.pptx
@@ -15,8 +15,9 @@
     <p:sldId id="263" r:id="rId9"/>
     <p:sldId id="264" r:id="rId10"/>
     <p:sldId id="265" r:id="rId11"/>
-    <p:sldId id="266" r:id="rId12"/>
-    <p:sldId id="267" r:id="rId13"/>
+    <p:sldId id="268" r:id="rId12"/>
+    <p:sldId id="266" r:id="rId13"/>
+    <p:sldId id="267" r:id="rId14"/>
   </p:sldIdLst>
   <p:sldSz cx="9144000" cy="6858000" type="screen4x3"/>
   <p:notesSz cx="6858000" cy="9144000"/>
@@ -3137,6 +3138,9 @@
           <a:bodyPr/>
           <a:lstStyle/>
           <a:p>
+            <a:pPr marL="0" indent="0">
+              <a:buNone/>
+            </a:pPr>
             <a:r>
               <a:rPr dirty="0"/>
               <a:t>Understanding Reserved Words in Java Programming</a:t>
@@ -3146,6 +3150,9 @@
             <a:endParaRPr dirty="0"/>
           </a:p>
           <a:p>
+            <a:pPr marL="0" indent="0">
+              <a:buNone/>
+            </a:pPr>
             <a:r>
               <a:rPr dirty="0"/>
               <a:t>Presented by: </a:t>
@@ -3256,6 +3263,244 @@
       </p:grpSpPr>
       <p:sp>
         <p:nvSpPr>
+          <p:cNvPr id="2" name="Title 1">
+            <a:extLst>
+              <a:ext uri="{FF2B5EF4-FFF2-40B4-BE49-F238E27FC236}">
+                <a16:creationId xmlns:a16="http://schemas.microsoft.com/office/drawing/2014/main" id="{CA4E1CCD-D72B-45C4-99FA-70CC979F6E79}"/>
+              </a:ext>
+            </a:extLst>
+          </p:cNvPr>
+          <p:cNvSpPr>
+            <a:spLocks noGrp="1"/>
+          </p:cNvSpPr>
+          <p:nvPr>
+            <p:ph type="title"/>
+          </p:nvPr>
+        </p:nvSpPr>
+        <p:spPr/>
+        <p:txBody>
+          <a:bodyPr/>
+          <a:lstStyle/>
+          <a:p>
+            <a:r>
+              <a:rPr lang="en-US" dirty="0"/>
+              <a:t>Keywords Table</a:t>
+            </a:r>
+            <a:endParaRPr lang="en-IN" dirty="0"/>
+          </a:p>
+        </p:txBody>
+      </p:sp>
+      <p:sp>
+        <p:nvSpPr>
+          <p:cNvPr id="3" name="Content Placeholder 2">
+            <a:extLst>
+              <a:ext uri="{FF2B5EF4-FFF2-40B4-BE49-F238E27FC236}">
+                <a16:creationId xmlns:a16="http://schemas.microsoft.com/office/drawing/2014/main" id="{79A9645A-17E9-4296-A092-D7B19FCF9589}"/>
+              </a:ext>
+            </a:extLst>
+          </p:cNvPr>
+          <p:cNvSpPr>
+            <a:spLocks noGrp="1"/>
+          </p:cNvSpPr>
+          <p:nvPr>
+            <p:ph idx="1"/>
+          </p:nvPr>
+        </p:nvSpPr>
+        <p:spPr/>
+        <p:txBody>
+          <a:bodyPr>
+            <a:normAutofit/>
+          </a:bodyPr>
+          <a:lstStyle/>
+          <a:p>
+            <a:pPr marL="0" indent="0">
+              <a:buNone/>
+            </a:pPr>
+            <a:r>
+              <a:rPr lang="en-US" sz="1400" dirty="0"/>
+              <a:t>abstract			assert				Boolean				break</a:t>
+            </a:r>
+          </a:p>
+          <a:p>
+            <a:pPr marL="0" indent="0">
+              <a:buNone/>
+            </a:pPr>
+            <a:r>
+              <a:rPr lang="en-US" sz="1400" dirty="0"/>
+              <a:t>byte				case				catch 					char</a:t>
+            </a:r>
+          </a:p>
+          <a:p>
+            <a:pPr marL="0" indent="0">
+              <a:buNone/>
+            </a:pPr>
+            <a:r>
+              <a:rPr lang="en-US" sz="1400" dirty="0"/>
+              <a:t>class				const				continue				default			</a:t>
+            </a:r>
+          </a:p>
+          <a:p>
+            <a:pPr marL="0" indent="0">
+              <a:buNone/>
+            </a:pPr>
+            <a:r>
+              <a:rPr lang="en-US" sz="1400" dirty="0"/>
+              <a:t>do				double			else					</a:t>
+            </a:r>
+            <a:r>
+              <a:rPr lang="en-US" sz="1400" dirty="0" err="1"/>
+              <a:t>enum</a:t>
+            </a:r>
+            <a:r>
+              <a:rPr lang="en-US" sz="1400" dirty="0"/>
+              <a:t>	</a:t>
+            </a:r>
+          </a:p>
+          <a:p>
+            <a:pPr marL="0" indent="0">
+              <a:buNone/>
+            </a:pPr>
+            <a:r>
+              <a:rPr lang="en-US" sz="1400" dirty="0"/>
+              <a:t>extends			final				finally					float</a:t>
+            </a:r>
+          </a:p>
+          <a:p>
+            <a:pPr marL="0" indent="0">
+              <a:buNone/>
+            </a:pPr>
+            <a:r>
+              <a:rPr lang="en-US" sz="1400" dirty="0"/>
+              <a:t>for				</a:t>
+            </a:r>
+            <a:r>
+              <a:rPr lang="en-US" sz="1400" dirty="0" err="1"/>
+              <a:t>goto</a:t>
+            </a:r>
+            <a:r>
+              <a:rPr lang="en-US" sz="1400" dirty="0"/>
+              <a:t>				if 					implements</a:t>
+            </a:r>
+          </a:p>
+          <a:p>
+            <a:pPr marL="0" indent="0">
+              <a:buNone/>
+            </a:pPr>
+            <a:r>
+              <a:rPr lang="en-US" sz="1400" dirty="0"/>
+              <a:t>import			</a:t>
+            </a:r>
+            <a:r>
+              <a:rPr lang="en-US" sz="1400" dirty="0" err="1"/>
+              <a:t>instanceOf</a:t>
+            </a:r>
+            <a:r>
+              <a:rPr lang="en-US" sz="1400" dirty="0"/>
+              <a:t>			int					interface</a:t>
+            </a:r>
+          </a:p>
+          <a:p>
+            <a:pPr marL="0" indent="0">
+              <a:buNone/>
+            </a:pPr>
+            <a:r>
+              <a:rPr lang="en-US" sz="1400" dirty="0"/>
+              <a:t>long				native				new					package</a:t>
+            </a:r>
+          </a:p>
+          <a:p>
+            <a:pPr marL="0" indent="0">
+              <a:buNone/>
+            </a:pPr>
+            <a:r>
+              <a:rPr lang="en-US" sz="1400" dirty="0"/>
+              <a:t>private			protected			public					return</a:t>
+            </a:r>
+          </a:p>
+          <a:p>
+            <a:pPr marL="0" indent="0">
+              <a:buNone/>
+            </a:pPr>
+            <a:r>
+              <a:rPr lang="en-US" sz="1400" dirty="0"/>
+              <a:t>short 				static				</a:t>
+            </a:r>
+            <a:r>
+              <a:rPr lang="en-US" sz="1400" dirty="0" err="1"/>
+              <a:t>trictfp</a:t>
+            </a:r>
+            <a:r>
+              <a:rPr lang="en-US" sz="1400" dirty="0"/>
+              <a:t>					super	</a:t>
+            </a:r>
+          </a:p>
+          <a:p>
+            <a:pPr marL="0" indent="0">
+              <a:buNone/>
+            </a:pPr>
+            <a:r>
+              <a:rPr lang="en-US" sz="1400" dirty="0"/>
+              <a:t>switch			synchronized		this 					</a:t>
+            </a:r>
+            <a:r>
+              <a:rPr lang="en-US" sz="1400" dirty="0" err="1"/>
+              <a:t>hrow</a:t>
+            </a:r>
+            <a:endParaRPr lang="en-US" sz="1400" dirty="0"/>
+          </a:p>
+          <a:p>
+            <a:pPr marL="0" indent="0">
+              <a:buNone/>
+            </a:pPr>
+            <a:r>
+              <a:rPr lang="en-US" sz="1400" dirty="0"/>
+              <a:t>throws			transient			try					void</a:t>
+            </a:r>
+          </a:p>
+          <a:p>
+            <a:pPr marL="0" indent="0">
+              <a:buNone/>
+            </a:pPr>
+            <a:r>
+              <a:rPr lang="en-US" sz="1400" dirty="0"/>
+              <a:t>volatile			while</a:t>
+            </a:r>
+            <a:endParaRPr lang="en-IN" sz="1400" dirty="0"/>
+          </a:p>
+        </p:txBody>
+      </p:sp>
+    </p:spTree>
+    <p:extLst>
+      <p:ext uri="{BB962C8B-B14F-4D97-AF65-F5344CB8AC3E}">
+        <p14:creationId xmlns:p14="http://schemas.microsoft.com/office/powerpoint/2010/main" val="982780772"/>
+      </p:ext>
+    </p:extLst>
+  </p:cSld>
+  <p:clrMapOvr>
+    <a:masterClrMapping/>
+  </p:clrMapOvr>
+</p:sld>
+</file>
+
+<file path=ppt/slides/slide12.xml><?xml version="1.0" encoding="utf-8"?>
+<p:sld xmlns:a="http://schemas.openxmlformats.org/drawingml/2006/main" xmlns:r="http://schemas.openxmlformats.org/officeDocument/2006/relationships" xmlns:p="http://schemas.openxmlformats.org/presentationml/2006/main">
+  <p:cSld>
+    <p:spTree>
+      <p:nvGrpSpPr>
+        <p:cNvPr id="1" name=""/>
+        <p:cNvGrpSpPr/>
+        <p:nvPr/>
+      </p:nvGrpSpPr>
+      <p:grpSpPr>
+        <a:xfrm>
+          <a:off x="0" y="0"/>
+          <a:ext cx="0" cy="0"/>
+          <a:chOff x="0" y="0"/>
+          <a:chExt cx="0" cy="0"/>
+        </a:xfrm>
+      </p:grpSpPr>
+      <p:sp>
+        <p:nvSpPr>
           <p:cNvPr id="2" name="Title 1"/>
           <p:cNvSpPr>
             <a:spLocks noGrp="1"/>
@@ -3304,7 +3549,7 @@
 </p:sld>
 </file>
 
-<file path=ppt/slides/slide12.xml><?xml version="1.0" encoding="utf-8"?>
+<file path=ppt/slides/slide13.xml><?xml version="1.0" encoding="utf-8"?>
 <p:sld xmlns:a="http://schemas.openxmlformats.org/drawingml/2006/main" xmlns:r="http://schemas.openxmlformats.org/officeDocument/2006/relationships" xmlns:p="http://schemas.openxmlformats.org/presentationml/2006/main">
   <p:cSld>
     <p:spTree>
